--- a/Documentation/C++ XAML lab jayway.pptx
+++ b/Documentation/C++ XAML lab jayway.pptx
@@ -231,7 +231,7 @@
             <a:fld id="{7FF124E7-E08C-4A1F-B4FC-72D6609097A9}" type="datetimeFigureOut">
               <a:rPr lang="en-US" smtClean="0"/>
               <a:pPr/>
-              <a:t>12/5/2013</a:t>
+              <a:t>1/20/2014</a:t>
             </a:fld>
             <a:endParaRPr lang="en-US"/>
           </a:p>
@@ -398,7 +398,7 @@
             <a:fld id="{C754077B-E038-4881-9183-8AE27FD3E7C1}" type="datetimeFigureOut">
               <a:rPr lang="en-US" smtClean="0"/>
               <a:pPr/>
-              <a:t>12/5/2013</a:t>
+              <a:t>1/20/2014</a:t>
             </a:fld>
             <a:endParaRPr lang="en-US"/>
           </a:p>
@@ -946,6 +946,91 @@
 </p:notes>
 </file>
 
+<file path=ppt/notesSlides/notesSlide4.xml><?xml version="1.0" encoding="utf-8"?>
+<p:notes xmlns:a="http://schemas.openxmlformats.org/drawingml/2006/main" xmlns:r="http://schemas.openxmlformats.org/officeDocument/2006/relationships" xmlns:p="http://schemas.openxmlformats.org/presentationml/2006/main">
+  <p:cSld>
+    <p:spTree>
+      <p:nvGrpSpPr>
+        <p:cNvPr id="1" name=""/>
+        <p:cNvGrpSpPr/>
+        <p:nvPr/>
+      </p:nvGrpSpPr>
+      <p:grpSpPr>
+        <a:xfrm>
+          <a:off x="0" y="0"/>
+          <a:ext cx="0" cy="0"/>
+          <a:chOff x="0" y="0"/>
+          <a:chExt cx="0" cy="0"/>
+        </a:xfrm>
+      </p:grpSpPr>
+      <p:sp>
+        <p:nvSpPr>
+          <p:cNvPr id="2" name="Slide Image Placeholder 1"/>
+          <p:cNvSpPr>
+            <a:spLocks noGrp="1" noRot="1" noChangeAspect="1"/>
+          </p:cNvSpPr>
+          <p:nvPr>
+            <p:ph type="sldImg"/>
+          </p:nvPr>
+        </p:nvSpPr>
+        <p:spPr/>
+      </p:sp>
+      <p:sp>
+        <p:nvSpPr>
+          <p:cNvPr id="3" name="Notes Placeholder 2"/>
+          <p:cNvSpPr>
+            <a:spLocks noGrp="1"/>
+          </p:cNvSpPr>
+          <p:nvPr>
+            <p:ph type="body" idx="1"/>
+          </p:nvPr>
+        </p:nvSpPr>
+        <p:spPr/>
+        <p:txBody>
+          <a:bodyPr/>
+          <a:lstStyle/>
+          <a:p>
+            <a:endParaRPr lang="en-US" dirty="0"/>
+          </a:p>
+        </p:txBody>
+      </p:sp>
+      <p:sp>
+        <p:nvSpPr>
+          <p:cNvPr id="4" name="Slide Number Placeholder 3"/>
+          <p:cNvSpPr>
+            <a:spLocks noGrp="1"/>
+          </p:cNvSpPr>
+          <p:nvPr>
+            <p:ph type="sldNum" sz="quarter" idx="10"/>
+          </p:nvPr>
+        </p:nvSpPr>
+        <p:spPr/>
+        <p:txBody>
+          <a:bodyPr/>
+          <a:lstStyle/>
+          <a:p>
+            <a:fld id="{D8AB7BB1-0015-4544-870D-C9E66CC0031D}" type="slidenum">
+              <a:rPr lang="en-US" smtClean="0"/>
+              <a:pPr/>
+              <a:t>5</a:t>
+            </a:fld>
+            <a:endParaRPr lang="en-US"/>
+          </a:p>
+        </p:txBody>
+      </p:sp>
+    </p:spTree>
+    <p:extLst>
+      <p:ext uri="{BB962C8B-B14F-4D97-AF65-F5344CB8AC3E}">
+        <p14:creationId xmlns:p14="http://schemas.microsoft.com/office/powerpoint/2010/main" val="3409360590"/>
+      </p:ext>
+    </p:extLst>
+  </p:cSld>
+  <p:clrMapOvr>
+    <a:masterClrMapping/>
+  </p:clrMapOvr>
+</p:notes>
+</file>
+
 <file path=ppt/slideLayouts/slideLayout1.xml><?xml version="1.0" encoding="utf-8"?>
 <p:sldLayout xmlns:a="http://schemas.openxmlformats.org/drawingml/2006/main" xmlns:r="http://schemas.openxmlformats.org/officeDocument/2006/relationships" xmlns:p="http://schemas.openxmlformats.org/presentationml/2006/main" preserve="1" userDrawn="1">
   <p:cSld name="Title">
@@ -980,7 +1065,7 @@
           <a:p>
             <a:fld id="{BB2F15DA-CD26-4F10-A17A-669B0BE31A12}" type="datetime1">
               <a:rPr lang="sv-SE" smtClean="0"/>
-              <a:t>2013-12-05</a:t>
+              <a:t>2014-01-20</a:t>
             </a:fld>
             <a:endParaRPr lang="en-US" dirty="0"/>
           </a:p>
@@ -1221,7 +1306,7 @@
           <a:p>
             <a:fld id="{BF7D7031-45D4-4926-932E-6F44239CD5BE}" type="datetime1">
               <a:rPr lang="sv-SE" smtClean="0"/>
-              <a:t>2013-12-05</a:t>
+              <a:t>2014-01-20</a:t>
             </a:fld>
             <a:endParaRPr lang="en-US"/>
           </a:p>
@@ -1462,7 +1547,7 @@
           <a:p>
             <a:fld id="{E1107469-0E63-45AD-82AB-6878B61403D7}" type="datetime1">
               <a:rPr lang="sv-SE" smtClean="0"/>
-              <a:t>2013-12-05</a:t>
+              <a:t>2014-01-20</a:t>
             </a:fld>
             <a:endParaRPr lang="en-US"/>
           </a:p>
@@ -2314,7 +2399,7 @@
           <a:p>
             <a:fld id="{0138D373-B218-4ABB-A23B-B4E288587143}" type="datetime1">
               <a:rPr lang="sv-SE" smtClean="0"/>
-              <a:t>2013-12-05</a:t>
+              <a:t>2014-01-20</a:t>
             </a:fld>
             <a:endParaRPr lang="en-US"/>
           </a:p>
@@ -2503,7 +2588,7 @@
           <a:p>
             <a:fld id="{6304F3B4-786D-4A21-8A4B-CB2908F0DF2A}" type="datetime1">
               <a:rPr lang="sv-SE" smtClean="0"/>
-              <a:t>2013-12-05</a:t>
+              <a:t>2014-01-20</a:t>
             </a:fld>
             <a:endParaRPr lang="en-US"/>
           </a:p>
@@ -2797,7 +2882,7 @@
           <a:p>
             <a:fld id="{96701F8D-F9AE-40A4-9E3F-8179E4F6EB7F}" type="datetime1">
               <a:rPr lang="sv-SE" smtClean="0"/>
-              <a:t>2013-12-05</a:t>
+              <a:t>2014-01-20</a:t>
             </a:fld>
             <a:endParaRPr lang="en-US"/>
           </a:p>
@@ -2960,7 +3045,7 @@
           <a:p>
             <a:fld id="{B6EDA5A2-2229-4195-B779-AC8887551CA9}" type="datetime1">
               <a:rPr lang="sv-SE" smtClean="0"/>
-              <a:t>2013-12-05</a:t>
+              <a:t>2014-01-20</a:t>
             </a:fld>
             <a:endParaRPr lang="en-US"/>
           </a:p>
@@ -3168,7 +3253,7 @@
           <a:p>
             <a:fld id="{7B78EC91-18F0-438E-82D6-612BE058332E}" type="datetime1">
               <a:rPr lang="sv-SE" smtClean="0"/>
-              <a:t>2013-12-05</a:t>
+              <a:t>2014-01-20</a:t>
             </a:fld>
             <a:endParaRPr lang="en-US"/>
           </a:p>
@@ -3619,7 +3704,7 @@
           <a:p>
             <a:fld id="{C7FE8BB7-FDC7-44CE-A088-E22F788EE23C}" type="datetime1">
               <a:rPr lang="sv-SE" smtClean="0"/>
-              <a:t>2013-12-05</a:t>
+              <a:t>2014-01-20</a:t>
             </a:fld>
             <a:endParaRPr lang="en-US"/>
           </a:p>
@@ -3715,7 +3800,7 @@
           <a:p>
             <a:fld id="{EB6EE6DF-F95C-4D95-BC06-A14C6431D141}" type="datetime1">
               <a:rPr lang="sv-SE" smtClean="0"/>
-              <a:t>2013-12-05</a:t>
+              <a:t>2014-01-20</a:t>
             </a:fld>
             <a:endParaRPr lang="en-US"/>
           </a:p>
@@ -3994,7 +4079,7 @@
             <a:fld id="{8149B227-7C22-4D7C-87D3-8A25707A5B3D}" type="datetime1">
               <a:rPr lang="sv-SE" smtClean="0"/>
               <a:pPr/>
-              <a:t>2013-12-05</a:t>
+              <a:t>2014-01-20</a:t>
             </a:fld>
             <a:endParaRPr lang="en-US" dirty="0"/>
           </a:p>
@@ -4211,7 +4296,7 @@
           <a:p>
             <a:fld id="{8149B227-7C22-4D7C-87D3-8A25707A5B3D}" type="datetime1">
               <a:rPr lang="sv-SE" smtClean="0"/>
-              <a:t>2013-12-05</a:t>
+              <a:t>2014-01-20</a:t>
             </a:fld>
             <a:endParaRPr lang="en-US" dirty="0"/>
           </a:p>
@@ -4428,7 +4513,7 @@
           <a:p>
             <a:fld id="{8149B227-7C22-4D7C-87D3-8A25707A5B3D}" type="datetime1">
               <a:rPr lang="sv-SE" smtClean="0"/>
-              <a:t>2013-12-05</a:t>
+              <a:t>2014-01-20</a:t>
             </a:fld>
             <a:endParaRPr lang="en-US" dirty="0"/>
           </a:p>
@@ -4645,7 +4730,7 @@
           <a:p>
             <a:fld id="{8149B227-7C22-4D7C-87D3-8A25707A5B3D}" type="datetime1">
               <a:rPr lang="sv-SE" smtClean="0"/>
-              <a:t>2013-12-05</a:t>
+              <a:t>2014-01-20</a:t>
             </a:fld>
             <a:endParaRPr lang="en-US" dirty="0"/>
           </a:p>
@@ -4862,7 +4947,7 @@
           <a:p>
             <a:fld id="{8149B227-7C22-4D7C-87D3-8A25707A5B3D}" type="datetime1">
               <a:rPr lang="sv-SE" smtClean="0"/>
-              <a:t>2013-12-05</a:t>
+              <a:t>2014-01-20</a:t>
             </a:fld>
             <a:endParaRPr lang="en-US" dirty="0"/>
           </a:p>
@@ -5079,7 +5164,7 @@
           <a:p>
             <a:fld id="{473B9B78-5BE3-4D5E-96C7-641B79BFB780}" type="datetime1">
               <a:rPr lang="sv-SE" smtClean="0"/>
-              <a:t>2013-12-05</a:t>
+              <a:t>2014-01-20</a:t>
             </a:fld>
             <a:endParaRPr lang="en-US" dirty="0"/>
           </a:p>
@@ -5199,7 +5284,7 @@
           <a:p>
             <a:fld id="{74EE0B27-396F-4399-A5C3-F89247484EDC}" type="datetime1">
               <a:rPr lang="sv-SE" smtClean="0"/>
-              <a:t>2013-12-05</a:t>
+              <a:t>2014-01-20</a:t>
             </a:fld>
             <a:endParaRPr lang="en-US" dirty="0"/>
           </a:p>
@@ -5391,7 +5476,7 @@
           <a:p>
             <a:fld id="{69ECEFFC-5899-414D-A895-DB8CD819531D}" type="datetime1">
               <a:rPr lang="sv-SE" smtClean="0"/>
-              <a:t>2013-12-05</a:t>
+              <a:t>2014-01-20</a:t>
             </a:fld>
             <a:endParaRPr lang="en-US" dirty="0"/>
           </a:p>
@@ -5725,7 +5810,7 @@
           <a:p>
             <a:fld id="{8C30DF56-5AFC-4D1F-A64B-10876D9B5A32}" type="datetime1">
               <a:rPr lang="sv-SE" smtClean="0"/>
-              <a:t>2013-12-05</a:t>
+              <a:t>2014-01-20</a:t>
             </a:fld>
             <a:endParaRPr lang="en-US" dirty="0"/>
           </a:p>
@@ -6224,7 +6309,7 @@
           <a:p>
             <a:fld id="{B50428A0-1002-4CB5-8581-CA0CD0B3AFF3}" type="datetime1">
               <a:rPr lang="sv-SE" smtClean="0"/>
-              <a:t>2013-12-05</a:t>
+              <a:t>2014-01-20</a:t>
             </a:fld>
             <a:endParaRPr lang="en-US" dirty="0"/>
           </a:p>
@@ -6320,7 +6405,7 @@
           <a:p>
             <a:fld id="{5D7E495D-B5D6-4A52-AEA7-47196AFA98DE}" type="datetime1">
               <a:rPr lang="sv-SE" smtClean="0"/>
-              <a:t>2013-12-05</a:t>
+              <a:t>2014-01-20</a:t>
             </a:fld>
             <a:endParaRPr lang="en-US" dirty="0"/>
           </a:p>
@@ -6622,7 +6707,7 @@
           <a:p>
             <a:fld id="{BF7D7031-45D4-4926-932E-6F44239CD5BE}" type="datetime1">
               <a:rPr lang="sv-SE" smtClean="0"/>
-              <a:t>2013-12-05</a:t>
+              <a:t>2014-01-20</a:t>
             </a:fld>
             <a:endParaRPr lang="en-US"/>
           </a:p>
@@ -6991,7 +7076,7 @@
           <a:p>
             <a:fld id="{80A7162C-D27F-401C-977B-08D8D142632F}" type="datetime1">
               <a:rPr lang="sv-SE" smtClean="0"/>
-              <a:t>2013-12-05</a:t>
+              <a:t>2014-01-20</a:t>
             </a:fld>
             <a:endParaRPr lang="en-US" dirty="0"/>
           </a:p>
@@ -7530,7 +7615,7 @@
           <a:p>
             <a:fld id="{3712D359-8E67-4AAC-A073-790C6B99EA2E}" type="datetime1">
               <a:rPr lang="sv-SE" smtClean="0"/>
-              <a:t>2013-12-05</a:t>
+              <a:t>2014-01-20</a:t>
             </a:fld>
             <a:endParaRPr lang="en-US"/>
           </a:p>
@@ -8584,9 +8669,43 @@
               <a:buChar char="•"/>
             </a:pPr>
             <a:r>
-              <a:rPr lang="en-US" dirty="0"/>
-              <a:t>http://msdn.microsoft.com/en-us/magazine/jj651573.aspx</a:t>
-            </a:r>
+              <a:rPr lang="en-US" dirty="0">
+                <a:hlinkClick r:id="rId4"/>
+              </a:rPr>
+              <a:t>http://</a:t>
+            </a:r>
+            <a:r>
+              <a:rPr lang="en-US" dirty="0" smtClean="0">
+                <a:hlinkClick r:id="rId4"/>
+              </a:rPr>
+              <a:t>msdn.microsoft.com/en-us/magazine/jj651573.aspx</a:t>
+            </a:r>
+            <a:endParaRPr lang="en-US" dirty="0" smtClean="0"/>
+          </a:p>
+          <a:p>
+            <a:pPr marL="457200" indent="-457200">
+              <a:buFont typeface="Arial" panose="020B0604020202020204" pitchFamily="34" charset="0"/>
+              <a:buChar char="•"/>
+            </a:pPr>
+            <a:r>
+              <a:rPr lang="en-US" dirty="0">
+                <a:hlinkClick r:id="rId5"/>
+              </a:rPr>
+              <a:t>http://</a:t>
+            </a:r>
+            <a:r>
+              <a:rPr lang="en-US" dirty="0" smtClean="0">
+                <a:hlinkClick r:id="rId5"/>
+              </a:rPr>
+              <a:t>blogs.msdn.com/b/jerrynixon/archive/2012/02/20/c-for-c-developers.aspx</a:t>
+            </a:r>
+            <a:endParaRPr lang="en-US" dirty="0" smtClean="0"/>
+          </a:p>
+          <a:p>
+            <a:pPr marL="457200" indent="-457200">
+              <a:buFont typeface="Arial" panose="020B0604020202020204" pitchFamily="34" charset="0"/>
+              <a:buChar char="•"/>
+            </a:pPr>
             <a:endParaRPr lang="en-US" dirty="0"/>
           </a:p>
         </p:txBody>
@@ -8721,7 +8840,6 @@
               <a:rPr lang="sv-SE" dirty="0" smtClean="0"/>
               <a:t>	Change text in a textblock</a:t>
             </a:r>
-            <a:endParaRPr lang="sv-SE" dirty="0" smtClean="0"/>
           </a:p>
           <a:p>
             <a:pPr marL="457200" indent="-457200">
@@ -8730,11 +8848,7 @@
             </a:pPr>
             <a:r>
               <a:rPr lang="sv-SE" dirty="0" smtClean="0"/>
-              <a:t>Task </a:t>
-            </a:r>
-            <a:r>
-              <a:rPr lang="sv-SE" dirty="0" smtClean="0"/>
-              <a:t>3</a:t>
+              <a:t>Task 3</a:t>
             </a:r>
           </a:p>
           <a:p>
@@ -8743,7 +8857,6 @@
               <a:rPr lang="sv-SE" dirty="0" smtClean="0"/>
               <a:t>	Bind textblocks</a:t>
             </a:r>
-            <a:endParaRPr lang="sv-SE" dirty="0" smtClean="0"/>
           </a:p>
           <a:p>
             <a:pPr marL="457200" indent="-457200">
